--- a/cagrid-1-0/Documentation/presentations/overview/caGrid-1.3-Technical-Overview.pptx
+++ b/cagrid-1-0/Documentation/presentations/overview/caGrid-1.3-Technical-Overview.pptx
@@ -3037,13 +3037,7 @@
               <a:rPr lang="en-US" dirty="0" smtClean="0">
                 <a:latin typeface="Arial Black" charset="0"/>
               </a:rPr>
-              <a:t>caGrid </a:t>
-            </a:r>
-            <a:r>
-              <a:rPr lang="en-US" dirty="0" smtClean="0">
-                <a:latin typeface="Arial Black" charset="0"/>
-              </a:rPr>
-              <a:t>1.3: </a:t>
+              <a:t>caGrid 1.3: </a:t>
             </a:r>
             <a:br>
               <a:rPr lang="en-US" dirty="0" smtClean="0">
@@ -3695,28 +3689,15 @@
             <a:pPr eaLnBrk="1" hangingPunct="1"/>
             <a:r>
               <a:rPr lang="en-US" dirty="0" smtClean="0"/>
-              <a:t>Introduce </a:t>
-            </a:r>
-            <a:r>
-              <a:rPr lang="en-US" dirty="0" smtClean="0"/>
-              <a:t>Toolkit</a:t>
-            </a:r>
-            <a:r>
-              <a:rPr lang="en-US" dirty="0" smtClean="0"/>
-              <a:t>:</a:t>
+              <a:t>Introduce Toolkit:</a:t>
             </a:r>
             <a:br>
               <a:rPr lang="en-US" dirty="0" smtClean="0"/>
             </a:br>
             <a:r>
               <a:rPr lang="en-US" dirty="0" smtClean="0"/>
-              <a:t>Security-related improvements</a:t>
-            </a:r>
-            <a:r>
-              <a:rPr lang="en-US" dirty="0" smtClean="0"/>
-              <a:t> </a:t>
-            </a:r>
-            <a:endParaRPr lang="en-US" dirty="0" smtClean="0"/>
+              <a:t>Security-related improvements </a:t>
+            </a:r>
           </a:p>
         </p:txBody>
       </p:sp>
@@ -3743,11 +3724,7 @@
             <a:pPr eaLnBrk="1" hangingPunct="1"/>
             <a:r>
               <a:rPr lang="en-US" dirty="0" smtClean="0"/>
-              <a:t>Created authorization extension </a:t>
-            </a:r>
-            <a:r>
-              <a:rPr lang="en-US" dirty="0" smtClean="0"/>
-              <a:t>framework for plugging in arbitrary authorization components</a:t>
+              <a:t>Created authorization extension framework for plugging in arbitrary authorization components</a:t>
             </a:r>
           </a:p>
           <a:p>
@@ -3815,19 +3792,8 @@
                 <a:ea typeface="ＭＳ Ｐゴシック" charset="-128"/>
                 <a:cs typeface="ＭＳ Ｐゴシック" charset="-128"/>
               </a:rPr>
-              <a:t>Integrated GAARDS UI components to Introduce (e.g. ability to login, request credentials, etc</a:t>
-            </a:r>
-            <a:r>
-              <a:rPr lang="en-US" dirty="0" smtClean="0">
-                <a:ea typeface="ＭＳ Ｐゴシック" charset="-128"/>
-                <a:cs typeface="ＭＳ Ｐゴシック" charset="-128"/>
-              </a:rPr>
-              <a:t>)</a:t>
-            </a:r>
-            <a:endParaRPr lang="en-US" dirty="0" smtClean="0">
-              <a:ea typeface="ＭＳ Ｐゴシック" charset="-128"/>
-              <a:cs typeface="ＭＳ Ｐゴシック" charset="-128"/>
-            </a:endParaRPr>
+              <a:t>Integrated GAARDS UI components to Introduce (e.g. ability to login, request credentials, etc)</a:t>
+            </a:r>
           </a:p>
         </p:txBody>
       </p:sp>
@@ -3874,10 +3840,6 @@
             <a:r>
               <a:rPr lang="en-US" dirty="0" smtClean="0"/>
               <a:t>Introduce Toolkit:</a:t>
-            </a:r>
-            <a:r>
-              <a:rPr lang="en-US" dirty="0" smtClean="0"/>
-              <a:t/>
             </a:r>
             <a:br>
               <a:rPr lang="en-US" dirty="0" smtClean="0"/>
@@ -4054,7 +4016,6 @@
               <a:rPr lang="en-US" dirty="0" smtClean="0"/>
               <a:t>Authentication Enhancements</a:t>
             </a:r>
-            <a:endParaRPr lang="en-US" dirty="0" smtClean="0"/>
           </a:p>
         </p:txBody>
       </p:sp>
@@ -4076,22 +4037,14 @@
             <a:pPr eaLnBrk="1" hangingPunct="1"/>
             <a:r>
               <a:rPr lang="en-US" dirty="0" smtClean="0"/>
-              <a:t>Addition </a:t>
-            </a:r>
+              <a:t>Addition of Authentication Profiles, adding support for authentication beyond just “username/password”</a:t>
+            </a:r>
+          </a:p>
+          <a:p>
+            <a:pPr lvl="1" eaLnBrk="1" hangingPunct="1"/>
             <a:r>
               <a:rPr lang="en-US" dirty="0" smtClean="0"/>
-              <a:t>of Authentication Profiles, adding support for authentication beyond just “username/password”</a:t>
-            </a:r>
-          </a:p>
-          <a:p>
-            <a:pPr lvl="1" eaLnBrk="1" hangingPunct="1"/>
-            <a:r>
-              <a:rPr lang="en-US" dirty="0" smtClean="0"/>
-              <a:t>Support for one-time passwords profile included in this </a:t>
-            </a:r>
-            <a:r>
-              <a:rPr lang="en-US" dirty="0" smtClean="0"/>
-              <a:t>release</a:t>
+              <a:t>Support for one-time passwords profile included in this release</a:t>
             </a:r>
           </a:p>
           <a:p>
@@ -4108,25 +4061,12 @@
               <a:rPr lang="en-US" dirty="0" smtClean="0"/>
               <a:t> to support; Dorian added implementation</a:t>
             </a:r>
-            <a:endParaRPr lang="en-US" dirty="0" smtClean="0"/>
           </a:p>
           <a:p>
             <a:pPr eaLnBrk="1" hangingPunct="1"/>
             <a:r>
               <a:rPr lang="en-US" dirty="0" smtClean="0"/>
-              <a:t>Ability to</a:t>
-            </a:r>
-            <a:r>
-              <a:rPr lang="en-US" dirty="0" smtClean="0"/>
-              <a:t> securely discover </a:t>
-            </a:r>
-            <a:r>
-              <a:rPr lang="en-US" dirty="0" smtClean="0"/>
-              <a:t>Trusted Identity </a:t>
-            </a:r>
-            <a:r>
-              <a:rPr lang="en-US" dirty="0" smtClean="0"/>
-              <a:t>Providers</a:t>
+              <a:t>Ability to securely discover Trusted Identity Providers</a:t>
             </a:r>
           </a:p>
           <a:p>
@@ -4162,7 +4102,6 @@
               <a:rPr lang="en-US" dirty="0" smtClean="0"/>
               <a:t>GAARDS UI now leverages this</a:t>
             </a:r>
-            <a:endParaRPr lang="en-US" dirty="0" smtClean="0"/>
           </a:p>
           <a:p>
             <a:pPr eaLnBrk="1" hangingPunct="1">
@@ -4216,10 +4155,6 @@
               <a:rPr lang="en-US" dirty="0" smtClean="0"/>
               <a:t>Security:</a:t>
             </a:r>
-            <a:r>
-              <a:rPr lang="en-US" dirty="0" smtClean="0"/>
-              <a:t/>
-            </a:r>
             <a:br>
               <a:rPr lang="en-US" dirty="0" smtClean="0"/>
             </a:br>
@@ -4283,15 +4218,7 @@
             <a:pPr eaLnBrk="1" hangingPunct="1"/>
             <a:r>
               <a:rPr lang="en-US" sz="2000" dirty="0" smtClean="0"/>
-              <a:t>Implementation of Single Sign-</a:t>
-            </a:r>
-            <a:r>
-              <a:rPr lang="en-US" sz="2000" dirty="0" smtClean="0"/>
-              <a:t>O</a:t>
-            </a:r>
-            <a:r>
-              <a:rPr lang="en-US" sz="2000" dirty="0" smtClean="0"/>
-              <a:t>ut</a:t>
+              <a:t>Implementation of Single Sign-Out</a:t>
             </a:r>
           </a:p>
           <a:p>
@@ -4312,15 +4239,7 @@
             <a:pPr eaLnBrk="1" hangingPunct="1"/>
             <a:r>
               <a:rPr lang="en-US" sz="2000" dirty="0" smtClean="0"/>
-              <a:t>Created </a:t>
-            </a:r>
-            <a:r>
-              <a:rPr lang="en-US" sz="2000" dirty="0" smtClean="0"/>
-              <a:t>comprehensive integration tests</a:t>
-            </a:r>
-            <a:r>
-              <a:rPr lang="en-US" sz="2000" dirty="0" smtClean="0"/>
-              <a:t> which deploy and test the WebSSO server, sample applications, Dorian, and CDS</a:t>
+              <a:t>Created comprehensive integration tests which deploy and test the WebSSO server, sample applications, Dorian, and CDS</a:t>
             </a:r>
           </a:p>
           <a:p>
@@ -4423,7 +4342,6 @@
               <a:rPr lang="en-US" dirty="0" smtClean="0"/>
               <a:t>Move from issuing Proxy Certificates to Short-Term Certificates</a:t>
             </a:r>
-            <a:endParaRPr lang="en-US" dirty="0" smtClean="0"/>
           </a:p>
           <a:p>
             <a:r>
@@ -4563,41 +4481,21 @@
             </a:r>
             <a:r>
               <a:rPr lang="en-US" sz="1600" dirty="0" smtClean="0"/>
-              <a:t> and refocused on </a:t>
-            </a:r>
+              <a:t> and refocused on desktop deployment (most common pattern)</a:t>
+            </a:r>
+          </a:p>
+          <a:p>
+            <a:pPr lvl="1" eaLnBrk="1" hangingPunct="1"/>
             <a:r>
               <a:rPr lang="en-US" sz="1600" dirty="0" smtClean="0"/>
-              <a:t>desktop deployment (most common pattern</a:t>
-            </a:r>
+              <a:t>Does not deploy/configure services anymore</a:t>
+            </a:r>
+          </a:p>
+          <a:p>
+            <a:pPr eaLnBrk="1" hangingPunct="1"/>
             <a:r>
               <a:rPr lang="en-US" sz="1600" dirty="0" smtClean="0"/>
-              <a:t>)</a:t>
-            </a:r>
-          </a:p>
-          <a:p>
-            <a:pPr lvl="1" eaLnBrk="1" hangingPunct="1"/>
-            <a:r>
-              <a:rPr lang="en-US" sz="1600" dirty="0" smtClean="0"/>
-              <a:t>Does not deploy/configure services </a:t>
-            </a:r>
-            <a:r>
-              <a:rPr lang="en-US" sz="1600" dirty="0" smtClean="0"/>
-              <a:t>anymore</a:t>
-            </a:r>
-          </a:p>
-          <a:p>
-            <a:pPr eaLnBrk="1" hangingPunct="1"/>
-            <a:r>
-              <a:rPr lang="en-US" sz="1600" dirty="0" smtClean="0"/>
-              <a:t>Installs</a:t>
-            </a:r>
-            <a:r>
-              <a:rPr lang="en-US" sz="1600" dirty="0" smtClean="0"/>
-              <a:t>: prerequisites, configures caGrid, and configures containers (current CBIIT technology stack</a:t>
-            </a:r>
-            <a:r>
-              <a:rPr lang="en-US" sz="1600" dirty="0" smtClean="0"/>
-              <a:t>)</a:t>
+              <a:t>Installs: prerequisites, configures caGrid, and configures containers (current CBIIT technology stack)</a:t>
             </a:r>
           </a:p>
           <a:p>
@@ -4769,17 +4667,12 @@
               <a:rPr lang="en-US" sz="2000" dirty="0" smtClean="0"/>
               <a:t>Tomcat 5.5.27, JBoss 4.0.5</a:t>
             </a:r>
-            <a:endParaRPr lang="en-US" sz="2000" dirty="0" smtClean="0"/>
           </a:p>
           <a:p>
             <a:pPr eaLnBrk="1" hangingPunct="1"/>
             <a:r>
               <a:rPr lang="en-US" sz="2000" dirty="0" smtClean="0"/>
-              <a:t>Expanded </a:t>
-            </a:r>
-            <a:r>
-              <a:rPr lang="en-US" sz="2000" dirty="0" smtClean="0"/>
-              <a:t>Independent Quality Assurance </a:t>
+              <a:t>Expanded Independent Quality Assurance </a:t>
             </a:r>
           </a:p>
           <a:p>
@@ -4892,11 +4785,7 @@
           <a:p>
             <a:r>
               <a:rPr lang="en-US" sz="2800" dirty="0" smtClean="0"/>
-              <a:t>Development Campaigns / </a:t>
-            </a:r>
-            <a:r>
-              <a:rPr lang="en-US" sz="2800" dirty="0" smtClean="0"/>
-              <a:t>Technical Details</a:t>
+              <a:t>Development Campaigns / Technical Details</a:t>
             </a:r>
           </a:p>
           <a:p>
@@ -4916,7 +4805,6 @@
               <a:rPr lang="en-US" sz="2800" dirty="0" smtClean="0"/>
               <a:t>Questions</a:t>
             </a:r>
-            <a:endParaRPr lang="en-US" sz="2800" dirty="0" smtClean="0"/>
           </a:p>
         </p:txBody>
       </p:sp>
@@ -4964,7 +4852,6 @@
               <a:rPr lang="en-US" smtClean="0"/>
               <a:t>caGrid Quality Dashboard</a:t>
             </a:r>
-            <a:endParaRPr lang="en-US" smtClean="0"/>
           </a:p>
         </p:txBody>
       </p:sp>
@@ -5145,11 +5032,7 @@
             </a:r>
             <a:r>
               <a:rPr lang="en-US" dirty="0" smtClean="0"/>
-              <a:t> Workflow Factory Service for </a:t>
-            </a:r>
-            <a:r>
-              <a:rPr lang="en-US" dirty="0" smtClean="0"/>
-              <a:t>executing </a:t>
+              <a:t> Workflow Factory Service for executing </a:t>
             </a:r>
             <a:r>
               <a:rPr lang="en-US" dirty="0" err="1" smtClean="0"/>
@@ -5157,11 +5040,7 @@
             </a:r>
             <a:r>
               <a:rPr lang="en-US" dirty="0" smtClean="0"/>
-              <a:t> (Simple Conceptual Unified Flow language</a:t>
-            </a:r>
-            <a:r>
-              <a:rPr lang="en-US" dirty="0" smtClean="0"/>
-              <a:t>) workflows, which is the language of the </a:t>
+              <a:t> (Simple Conceptual Unified Flow language) workflows, which is the language of the </a:t>
             </a:r>
             <a:r>
               <a:rPr lang="en-US" dirty="0" err="1" smtClean="0"/>
@@ -6718,13 +6597,7 @@
               <a:rPr lang="en-US" dirty="0" smtClean="0">
                 <a:latin typeface="Arial Black" charset="0"/>
               </a:rPr>
-              <a:t>caGrid </a:t>
-            </a:r>
-            <a:r>
-              <a:rPr lang="en-US" dirty="0" smtClean="0">
-                <a:latin typeface="Arial Black" charset="0"/>
-              </a:rPr>
-              <a:t>1.3: </a:t>
+              <a:t>caGrid 1.3: </a:t>
             </a:r>
             <a:br>
               <a:rPr lang="en-US" dirty="0" smtClean="0">
@@ -9085,7 +8958,7 @@
               <a:buNone/>
             </a:pPr>
             <a:r>
-              <a:rPr lang="en-US" smtClean="0"/>
+              <a:rPr lang="en-US" dirty="0" smtClean="0"/>
               <a:t>All caGrid Core Services were redeployed on all caBIG® Grids </a:t>
             </a:r>
           </a:p>
@@ -9095,7 +8968,7 @@
               <a:buNone/>
             </a:pPr>
             <a:r>
-              <a:rPr lang="en-US" smtClean="0"/>
+              <a:rPr lang="en-US" dirty="0" smtClean="0"/>
               <a:t>(OSU Training, QA, Stage, and Production) for this release.</a:t>
             </a:r>
           </a:p>
@@ -9104,7 +8977,7 @@
               <a:buFontTx/>
               <a:buNone/>
             </a:pPr>
-            <a:endParaRPr lang="en-US" smtClean="0"/>
+            <a:endParaRPr lang="en-US" dirty="0" smtClean="0"/>
           </a:p>
           <a:p>
             <a:pPr>
@@ -9112,7 +8985,7 @@
               <a:buNone/>
             </a:pPr>
             <a:r>
-              <a:rPr lang="en-US" smtClean="0"/>
+              <a:rPr lang="en-US" dirty="0" smtClean="0"/>
               <a:t>The (12) caGrid 1.3 Core Services are: </a:t>
             </a:r>
           </a:p>
@@ -9121,77 +8994,77 @@
               <a:buFontTx/>
               <a:buNone/>
             </a:pPr>
-            <a:endParaRPr lang="en-US" smtClean="0"/>
+            <a:endParaRPr lang="en-US" dirty="0" smtClean="0"/>
           </a:p>
           <a:p>
             <a:pPr>
               <a:buFontTx/>
               <a:buNone/>
             </a:pPr>
-            <a:endParaRPr lang="en-US" smtClean="0"/>
+            <a:endParaRPr lang="en-US" dirty="0" smtClean="0"/>
           </a:p>
           <a:p>
             <a:pPr>
               <a:buFontTx/>
               <a:buNone/>
             </a:pPr>
-            <a:endParaRPr lang="en-US" smtClean="0"/>
+            <a:endParaRPr lang="en-US" dirty="0" smtClean="0"/>
           </a:p>
           <a:p>
             <a:pPr>
               <a:buFontTx/>
               <a:buNone/>
             </a:pPr>
-            <a:endParaRPr lang="en-US" smtClean="0"/>
+            <a:endParaRPr lang="en-US" dirty="0" smtClean="0"/>
           </a:p>
           <a:p>
             <a:pPr>
               <a:buFontTx/>
               <a:buNone/>
             </a:pPr>
-            <a:endParaRPr lang="en-US" smtClean="0"/>
+            <a:endParaRPr lang="en-US" dirty="0" smtClean="0"/>
           </a:p>
           <a:p>
             <a:pPr>
               <a:buFontTx/>
               <a:buNone/>
             </a:pPr>
-            <a:endParaRPr lang="en-US" smtClean="0"/>
+            <a:endParaRPr lang="en-US" dirty="0" smtClean="0"/>
           </a:p>
           <a:p>
             <a:pPr>
               <a:buFontTx/>
               <a:buNone/>
             </a:pPr>
-            <a:endParaRPr lang="en-US" smtClean="0"/>
+            <a:endParaRPr lang="en-US" dirty="0" smtClean="0"/>
           </a:p>
           <a:p>
             <a:pPr>
               <a:buFontTx/>
               <a:buNone/>
             </a:pPr>
-            <a:endParaRPr lang="en-US" smtClean="0"/>
+            <a:endParaRPr lang="en-US" dirty="0" smtClean="0"/>
           </a:p>
           <a:p>
             <a:pPr>
               <a:buFontTx/>
               <a:buNone/>
             </a:pPr>
-            <a:endParaRPr lang="en-US" smtClean="0"/>
+            <a:endParaRPr lang="en-US" dirty="0" smtClean="0"/>
           </a:p>
           <a:p>
             <a:pPr>
               <a:buFontTx/>
               <a:buNone/>
             </a:pPr>
-            <a:endParaRPr lang="en-US" smtClean="0"/>
+            <a:endParaRPr lang="en-US" dirty="0" smtClean="0"/>
           </a:p>
           <a:p>
             <a:pPr>
               <a:buFontTx/>
               <a:buNone/>
             </a:pPr>
-            <a:endParaRPr lang="en-US" smtClean="0"/>
+            <a:endParaRPr lang="en-US" dirty="0" smtClean="0"/>
           </a:p>
           <a:p>
             <a:pPr>
@@ -9199,11 +9072,11 @@
               <a:buNone/>
             </a:pPr>
             <a:r>
-              <a:rPr lang="en-US" sz="1400" i="1" smtClean="0"/>
+              <a:rPr lang="en-US" sz="1400" i="1" dirty="0" smtClean="0"/>
               <a:t>* New for 1.3 </a:t>
             </a:r>
             <a:r>
-              <a:rPr lang="en-US" sz="1400" b="0" i="1" smtClean="0"/>
+              <a:rPr lang="en-US" sz="1400" b="0" i="1" dirty="0" smtClean="0"/>
               <a:t>                ** Significantly Rewritten or Enhanced for 1.3</a:t>
             </a:r>
           </a:p>
@@ -9212,14 +9085,14 @@
               <a:buFontTx/>
               <a:buNone/>
             </a:pPr>
-            <a:endParaRPr lang="en-US" smtClean="0"/>
+            <a:endParaRPr lang="en-US" dirty="0" smtClean="0"/>
           </a:p>
           <a:p>
             <a:pPr>
               <a:buFontTx/>
               <a:buNone/>
             </a:pPr>
-            <a:endParaRPr lang="en-US" smtClean="0"/>
+            <a:endParaRPr lang="en-US" dirty="0" smtClean="0"/>
           </a:p>
         </p:txBody>
       </p:sp>
@@ -9613,7 +9486,7 @@
                         <a:tabLst/>
                       </a:pPr>
                       <a:r>
-                        <a:rPr kumimoji="0" lang="en-US" sz="1600" b="0" i="0" u="none" strike="noStrike" cap="none" normalizeH="0" baseline="0" smtClean="0">
+                        <a:rPr kumimoji="0" lang="en-US" sz="1600" b="0" i="1" u="none" strike="noStrike" cap="none" normalizeH="0" baseline="0" dirty="0" smtClean="0">
                           <a:ln>
                             <a:noFill/>
                           </a:ln>
@@ -9625,8 +9498,20 @@
                           <a:ea typeface="Cambria" pitchFamily="-110" charset="0"/>
                           <a:cs typeface="Cambria" pitchFamily="-110" charset="0"/>
                         </a:rPr>
-                        <a:t>Authentication Service</a:t>
+                        <a:t>Authentication Service**</a:t>
                       </a:r>
+                      <a:endParaRPr kumimoji="0" lang="en-US" sz="1600" b="0" i="1" u="none" strike="noStrike" cap="none" normalizeH="0" baseline="0" dirty="0" smtClean="0">
+                        <a:ln>
+                          <a:noFill/>
+                        </a:ln>
+                        <a:solidFill>
+                          <a:srgbClr val="000000"/>
+                        </a:solidFill>
+                        <a:effectLst/>
+                        <a:latin typeface="Cambria" pitchFamily="-110" charset="0"/>
+                        <a:ea typeface="Cambria" pitchFamily="-110" charset="0"/>
+                        <a:cs typeface="Cambria" pitchFamily="-110" charset="0"/>
+                      </a:endParaRPr>
                     </a:p>
                   </a:txBody>
                   <a:tcPr marL="131523" marR="131523" marT="65762" marB="65762" horzOverflow="overflow">

--- a/cagrid-1-0/Documentation/presentations/overview/caGrid-1.3-Technical-Overview.pptx
+++ b/cagrid-1-0/Documentation/presentations/overview/caGrid-1.3-Technical-Overview.pptx
@@ -7,6 +7,9 @@
   <p:notesMasterIdLst>
     <p:notesMasterId r:id="rId27"/>
   </p:notesMasterIdLst>
+  <p:handoutMasterIdLst>
+    <p:handoutMasterId r:id="rId28"/>
+  </p:handoutMasterIdLst>
   <p:sldIdLst>
     <p:sldId id="256" r:id="rId2"/>
     <p:sldId id="282" r:id="rId3"/>
@@ -26,9 +29,9 @@
     <p:sldId id="292" r:id="rId17"/>
     <p:sldId id="290" r:id="rId18"/>
     <p:sldId id="293" r:id="rId19"/>
-    <p:sldId id="261" r:id="rId20"/>
-    <p:sldId id="275" r:id="rId21"/>
-    <p:sldId id="289" r:id="rId22"/>
+    <p:sldId id="289" r:id="rId20"/>
+    <p:sldId id="261" r:id="rId21"/>
+    <p:sldId id="275" r:id="rId22"/>
     <p:sldId id="274" r:id="rId23"/>
     <p:sldId id="277" r:id="rId24"/>
     <p:sldId id="270" r:id="rId25"/>
@@ -162,6 +165,166 @@
     </a:lvl9pPr>
   </p:defaultTextStyle>
 </p:presentation>
+</file>
+
+<file path=ppt/handoutMasters/handoutMaster1.xml><?xml version="1.0" encoding="utf-8"?>
+<p:handoutMaster xmlns:a="http://schemas.openxmlformats.org/drawingml/2006/main" xmlns:r="http://schemas.openxmlformats.org/officeDocument/2006/relationships" xmlns:mc="http://schemas.openxmlformats.org/markup-compatibility/2006" xmlns:mv="urn:schemas-microsoft-com:mac:vml" xmlns:p="http://schemas.openxmlformats.org/presentationml/2006/main" mc:Ignorable="mv" mc:PreserveAttributes="mv:*">
+  <p:cSld>
+    <p:bg>
+      <p:bgRef idx="1001">
+        <a:schemeClr val="bg1"/>
+      </p:bgRef>
+    </p:bg>
+    <p:spTree>
+      <p:nvGrpSpPr>
+        <p:cNvPr id="1" name=""/>
+        <p:cNvGrpSpPr/>
+        <p:nvPr/>
+      </p:nvGrpSpPr>
+      <p:grpSpPr>
+        <a:xfrm>
+          <a:off x="0" y="0"/>
+          <a:ext cx="0" cy="0"/>
+          <a:chOff x="0" y="0"/>
+          <a:chExt cx="0" cy="0"/>
+        </a:xfrm>
+      </p:grpSpPr>
+      <p:sp>
+        <p:nvSpPr>
+          <p:cNvPr id="2" name="Header Placeholder 1"/>
+          <p:cNvSpPr>
+            <a:spLocks noGrp="1"/>
+          </p:cNvSpPr>
+          <p:nvPr>
+            <p:ph type="hdr" sz="quarter"/>
+          </p:nvPr>
+        </p:nvSpPr>
+        <p:spPr>
+          <a:xfrm>
+            <a:off x="0" y="0"/>
+            <a:ext cx="2971800" cy="457200"/>
+          </a:xfrm>
+          <a:prstGeom prst="rect">
+            <a:avLst/>
+          </a:prstGeom>
+        </p:spPr>
+        <p:txBody>
+          <a:bodyPr vert="horz" lIns="91440" tIns="45720" rIns="91440" bIns="45720" rtlCol="0"/>
+          <a:lstStyle>
+            <a:lvl1pPr algn="l">
+              <a:defRPr sz="1200"/>
+            </a:lvl1pPr>
+          </a:lstStyle>
+          <a:p>
+            <a:endParaRPr lang="en-US"/>
+          </a:p>
+        </p:txBody>
+      </p:sp>
+      <p:sp>
+        <p:nvSpPr>
+          <p:cNvPr id="3" name="Date Placeholder 2"/>
+          <p:cNvSpPr>
+            <a:spLocks noGrp="1"/>
+          </p:cNvSpPr>
+          <p:nvPr>
+            <p:ph type="dt" sz="quarter" idx="1"/>
+          </p:nvPr>
+        </p:nvSpPr>
+        <p:spPr>
+          <a:xfrm>
+            <a:off x="3884613" y="0"/>
+            <a:ext cx="2971800" cy="457200"/>
+          </a:xfrm>
+          <a:prstGeom prst="rect">
+            <a:avLst/>
+          </a:prstGeom>
+        </p:spPr>
+        <p:txBody>
+          <a:bodyPr vert="horz" lIns="91440" tIns="45720" rIns="91440" bIns="45720" rtlCol="0"/>
+          <a:lstStyle>
+            <a:lvl1pPr algn="r">
+              <a:defRPr sz="1200"/>
+            </a:lvl1pPr>
+          </a:lstStyle>
+          <a:p>
+            <a:fld id="{4D672988-1B31-EB4F-A096-6EFC97EB9D0D}" type="datetimeFigureOut">
+              <a:rPr lang="en-US" smtClean="0"/>
+              <a:t>4/16/09</a:t>
+            </a:fld>
+            <a:endParaRPr lang="en-US"/>
+          </a:p>
+        </p:txBody>
+      </p:sp>
+      <p:sp>
+        <p:nvSpPr>
+          <p:cNvPr id="4" name="Footer Placeholder 3"/>
+          <p:cNvSpPr>
+            <a:spLocks noGrp="1"/>
+          </p:cNvSpPr>
+          <p:nvPr>
+            <p:ph type="ftr" sz="quarter" idx="2"/>
+          </p:nvPr>
+        </p:nvSpPr>
+        <p:spPr>
+          <a:xfrm>
+            <a:off x="0" y="8685213"/>
+            <a:ext cx="2971800" cy="457200"/>
+          </a:xfrm>
+          <a:prstGeom prst="rect">
+            <a:avLst/>
+          </a:prstGeom>
+        </p:spPr>
+        <p:txBody>
+          <a:bodyPr vert="horz" lIns="91440" tIns="45720" rIns="91440" bIns="45720" rtlCol="0" anchor="b"/>
+          <a:lstStyle>
+            <a:lvl1pPr algn="l">
+              <a:defRPr sz="1200"/>
+            </a:lvl1pPr>
+          </a:lstStyle>
+          <a:p>
+            <a:endParaRPr lang="en-US"/>
+          </a:p>
+        </p:txBody>
+      </p:sp>
+      <p:sp>
+        <p:nvSpPr>
+          <p:cNvPr id="5" name="Slide Number Placeholder 4"/>
+          <p:cNvSpPr>
+            <a:spLocks noGrp="1"/>
+          </p:cNvSpPr>
+          <p:nvPr>
+            <p:ph type="sldNum" sz="quarter" idx="3"/>
+          </p:nvPr>
+        </p:nvSpPr>
+        <p:spPr>
+          <a:xfrm>
+            <a:off x="3884613" y="8685213"/>
+            <a:ext cx="2971800" cy="457200"/>
+          </a:xfrm>
+          <a:prstGeom prst="rect">
+            <a:avLst/>
+          </a:prstGeom>
+        </p:spPr>
+        <p:txBody>
+          <a:bodyPr vert="horz" lIns="91440" tIns="45720" rIns="91440" bIns="45720" rtlCol="0" anchor="b"/>
+          <a:lstStyle>
+            <a:lvl1pPr algn="r">
+              <a:defRPr sz="1200"/>
+            </a:lvl1pPr>
+          </a:lstStyle>
+          <a:p>
+            <a:fld id="{A531261F-B9C5-8747-BC6C-44F869CFB461}" type="slidenum">
+              <a:rPr lang="en-US" smtClean="0"/>
+              <a:t>‹#›</a:t>
+            </a:fld>
+            <a:endParaRPr lang="en-US"/>
+          </a:p>
+        </p:txBody>
+      </p:sp>
+    </p:spTree>
+  </p:cSld>
+  <p:clrMap bg1="lt1" tx1="dk1" bg2="lt2" tx2="dk2" accent1="accent1" accent2="accent2" accent3="accent3" accent4="accent4" accent5="accent5" accent6="accent6" hlink="hlink" folHlink="folHlink"/>
+</p:handoutMaster>
 </file>
 
 <file path=ppt/notesMasters/notesMaster1.xml><?xml version="1.0" encoding="utf-8"?>
@@ -4605,7 +4768,7 @@
       </p:grpSpPr>
       <p:sp>
         <p:nvSpPr>
-          <p:cNvPr id="30722" name="Title 1"/>
+          <p:cNvPr id="32770" name="Title 1"/>
           <p:cNvSpPr>
             <a:spLocks noGrp="1"/>
           </p:cNvSpPr>
@@ -4618,21 +4781,24 @@
           <a:bodyPr/>
           <a:lstStyle/>
           <a:p>
-            <a:pPr eaLnBrk="1" hangingPunct="1"/>
-            <a:r>
-              <a:rPr lang="en-US" smtClean="0"/>
-              <a:t>Continuous </a:t>
-            </a:r>
-            <a:r>
-              <a:rPr lang="en-US" i="1" smtClean="0"/>
-              <a:t>Innovation</a:t>
-            </a:r>
+            <a:r>
+              <a:rPr lang="en-US" dirty="0" smtClean="0"/>
+              <a:t>Workflow:</a:t>
+            </a:r>
+            <a:br>
+              <a:rPr lang="en-US" dirty="0" smtClean="0"/>
+            </a:br>
+            <a:r>
+              <a:rPr lang="en-US" dirty="0" err="1" smtClean="0"/>
+              <a:t>Taverna</a:t>
+            </a:r>
+            <a:endParaRPr lang="en-US" dirty="0" smtClean="0"/>
           </a:p>
         </p:txBody>
       </p:sp>
       <p:sp>
         <p:nvSpPr>
-          <p:cNvPr id="30723" name="Content Placeholder 2"/>
+          <p:cNvPr id="32771" name="Content Placeholder 2"/>
           <p:cNvSpPr>
             <a:spLocks noGrp="1"/>
           </p:cNvSpPr>
@@ -4645,70 +4811,83 @@
           <a:bodyPr/>
           <a:lstStyle/>
           <a:p>
-            <a:pPr eaLnBrk="1" hangingPunct="1"/>
-            <a:r>
-              <a:rPr lang="en-US" sz="2000" dirty="0" smtClean="0"/>
-              <a:t>Support for CBIIT FY2008 Future Technology Stack</a:t>
-            </a:r>
-          </a:p>
-          <a:p>
-            <a:pPr lvl="1" eaLnBrk="1" hangingPunct="1"/>
-            <a:r>
-              <a:rPr lang="en-US" sz="2000" dirty="0" smtClean="0">
-                <a:hlinkClick r:id="rId2"/>
-              </a:rPr>
-              <a:t>http://www.cagrid.org/wiki/CBIIT:TechStack:FY2008</a:t>
-            </a:r>
-            <a:endParaRPr lang="en-US" sz="2000" dirty="0" smtClean="0"/>
-          </a:p>
-          <a:p>
-            <a:pPr lvl="1" eaLnBrk="1" hangingPunct="1"/>
-            <a:r>
-              <a:rPr lang="en-US" sz="2000" dirty="0" smtClean="0"/>
-              <a:t>Tomcat 5.5.27, JBoss 4.0.5</a:t>
-            </a:r>
-          </a:p>
-          <a:p>
-            <a:pPr eaLnBrk="1" hangingPunct="1"/>
-            <a:r>
-              <a:rPr lang="en-US" sz="2000" dirty="0" smtClean="0"/>
-              <a:t>Expanded Independent Quality Assurance </a:t>
-            </a:r>
-          </a:p>
-          <a:p>
-            <a:pPr lvl="1" eaLnBrk="1" hangingPunct="1"/>
-            <a:r>
-              <a:rPr lang="en-US" sz="2000" dirty="0" smtClean="0"/>
-              <a:t>Significantly improved test coverage</a:t>
-            </a:r>
-          </a:p>
-          <a:p>
-            <a:pPr lvl="1" eaLnBrk="1" hangingPunct="1"/>
-            <a:r>
-              <a:rPr lang="en-US" sz="2000" dirty="0" smtClean="0"/>
-              <a:t>Most thoroughly tested version of caGrid </a:t>
-            </a:r>
-            <a:r>
-              <a:rPr lang="en-US" sz="2000" i="1" dirty="0" smtClean="0"/>
-              <a:t>ever</a:t>
-            </a:r>
-          </a:p>
-          <a:p>
-            <a:pPr eaLnBrk="1" hangingPunct="1"/>
-            <a:r>
-              <a:rPr lang="en-US" sz="2000" dirty="0" smtClean="0"/>
-              <a:t>Complete redeployment of the NCI National Grid (all tiers)</a:t>
-            </a:r>
-          </a:p>
-          <a:p>
-            <a:pPr lvl="1" eaLnBrk="1" hangingPunct="1"/>
-            <a:r>
-              <a:rPr lang="en-US" sz="2000" dirty="0" smtClean="0"/>
-              <a:t>Ongoing work toward high-available deployment patterns for caGrid</a:t>
-            </a:r>
+            <a:r>
+              <a:rPr lang="en-US" dirty="0" smtClean="0"/>
+              <a:t>Added a new service </a:t>
+            </a:r>
+            <a:r>
+              <a:rPr lang="en-US" dirty="0" err="1" smtClean="0"/>
+              <a:t>Taverna</a:t>
+            </a:r>
+            <a:r>
+              <a:rPr lang="en-US" dirty="0" smtClean="0"/>
+              <a:t> Workflow Factory Service for executing </a:t>
+            </a:r>
+            <a:r>
+              <a:rPr lang="en-US" dirty="0" err="1" smtClean="0"/>
+              <a:t>Scufl</a:t>
+            </a:r>
+            <a:r>
+              <a:rPr lang="en-US" dirty="0" smtClean="0"/>
+              <a:t> (Simple Conceptual Unified Flow language) workflows, which is the language of the </a:t>
+            </a:r>
+            <a:r>
+              <a:rPr lang="en-US" dirty="0" err="1" smtClean="0"/>
+              <a:t>Taverna</a:t>
+            </a:r>
+            <a:r>
+              <a:rPr lang="en-US" dirty="0" smtClean="0"/>
+              <a:t> Workbench</a:t>
+            </a:r>
+          </a:p>
+          <a:p>
+            <a:pPr lvl="1"/>
+            <a:r>
+              <a:rPr lang="en-US" dirty="0" smtClean="0"/>
+              <a:t>Leverages the same service infrastructure as the existing BPEL-based workflow service</a:t>
+            </a:r>
+          </a:p>
+          <a:p>
+            <a:r>
+              <a:rPr lang="en-US" dirty="0" smtClean="0"/>
+              <a:t>Updated client support to </a:t>
+            </a:r>
+            <a:r>
+              <a:rPr lang="en-US" dirty="0" err="1" smtClean="0"/>
+              <a:t>Taverna</a:t>
+            </a:r>
+            <a:r>
+              <a:rPr lang="en-US" dirty="0" smtClean="0"/>
+              <a:t> 2</a:t>
+            </a:r>
+            <a:endParaRPr lang="en-US" dirty="0"/>
           </a:p>
         </p:txBody>
       </p:sp>
+      <p:pic>
+        <p:nvPicPr>
+          <p:cNvPr id="4" name="Picture 3"/>
+          <p:cNvPicPr>
+            <a:picLocks noChangeAspect="1"/>
+          </p:cNvPicPr>
+          <p:nvPr/>
+        </p:nvPicPr>
+        <p:blipFill>
+          <a:blip r:embed="rId2"/>
+          <a:stretch>
+            <a:fillRect/>
+          </a:stretch>
+        </p:blipFill>
+        <p:spPr>
+          <a:xfrm>
+            <a:off x="2057400" y="3378200"/>
+            <a:ext cx="4836160" cy="3022600"/>
+          </a:xfrm>
+          <a:prstGeom prst="rect">
+            <a:avLst/>
+          </a:prstGeom>
+        </p:spPr>
+      </p:pic>
     </p:spTree>
   </p:cSld>
   <p:clrMapOvr>
@@ -4835,6 +5014,137 @@
       </p:grpSpPr>
       <p:sp>
         <p:nvSpPr>
+          <p:cNvPr id="30722" name="Title 1"/>
+          <p:cNvSpPr>
+            <a:spLocks noGrp="1"/>
+          </p:cNvSpPr>
+          <p:nvPr>
+            <p:ph type="title"/>
+          </p:nvPr>
+        </p:nvSpPr>
+        <p:spPr/>
+        <p:txBody>
+          <a:bodyPr/>
+          <a:lstStyle/>
+          <a:p>
+            <a:pPr eaLnBrk="1" hangingPunct="1"/>
+            <a:r>
+              <a:rPr lang="en-US" smtClean="0"/>
+              <a:t>Continuous </a:t>
+            </a:r>
+            <a:r>
+              <a:rPr lang="en-US" i="1" smtClean="0"/>
+              <a:t>Innovation</a:t>
+            </a:r>
+          </a:p>
+        </p:txBody>
+      </p:sp>
+      <p:sp>
+        <p:nvSpPr>
+          <p:cNvPr id="30723" name="Content Placeholder 2"/>
+          <p:cNvSpPr>
+            <a:spLocks noGrp="1"/>
+          </p:cNvSpPr>
+          <p:nvPr>
+            <p:ph idx="1"/>
+          </p:nvPr>
+        </p:nvSpPr>
+        <p:spPr/>
+        <p:txBody>
+          <a:bodyPr/>
+          <a:lstStyle/>
+          <a:p>
+            <a:pPr eaLnBrk="1" hangingPunct="1"/>
+            <a:r>
+              <a:rPr lang="en-US" sz="2000" dirty="0" smtClean="0"/>
+              <a:t>Support for CBIIT FY2008 Future Technology Stack</a:t>
+            </a:r>
+          </a:p>
+          <a:p>
+            <a:pPr lvl="1" eaLnBrk="1" hangingPunct="1"/>
+            <a:r>
+              <a:rPr lang="en-US" sz="2000" dirty="0" smtClean="0">
+                <a:hlinkClick r:id="rId2"/>
+              </a:rPr>
+              <a:t>http://www.cagrid.org/wiki/CBIIT:TechStack:FY2008</a:t>
+            </a:r>
+            <a:endParaRPr lang="en-US" sz="2000" dirty="0" smtClean="0"/>
+          </a:p>
+          <a:p>
+            <a:pPr lvl="1" eaLnBrk="1" hangingPunct="1"/>
+            <a:r>
+              <a:rPr lang="en-US" sz="2000" dirty="0" smtClean="0"/>
+              <a:t>Tomcat 5.5.27, JBoss 4.0.5</a:t>
+            </a:r>
+          </a:p>
+          <a:p>
+            <a:pPr eaLnBrk="1" hangingPunct="1"/>
+            <a:r>
+              <a:rPr lang="en-US" sz="2000" dirty="0" smtClean="0"/>
+              <a:t>Expanded Independent Quality Assurance </a:t>
+            </a:r>
+          </a:p>
+          <a:p>
+            <a:pPr lvl="1" eaLnBrk="1" hangingPunct="1"/>
+            <a:r>
+              <a:rPr lang="en-US" sz="2000" dirty="0" smtClean="0"/>
+              <a:t>Significantly improved test coverage</a:t>
+            </a:r>
+          </a:p>
+          <a:p>
+            <a:pPr lvl="1" eaLnBrk="1" hangingPunct="1"/>
+            <a:r>
+              <a:rPr lang="en-US" sz="2000" dirty="0" smtClean="0"/>
+              <a:t>Most thoroughly tested version of caGrid </a:t>
+            </a:r>
+            <a:r>
+              <a:rPr lang="en-US" sz="2000" i="1" dirty="0" smtClean="0"/>
+              <a:t>ever</a:t>
+            </a:r>
+          </a:p>
+          <a:p>
+            <a:pPr eaLnBrk="1" hangingPunct="1"/>
+            <a:r>
+              <a:rPr lang="en-US" sz="2000" dirty="0" smtClean="0"/>
+              <a:t>Complete redeployment of the NCI National Grid (all tiers)</a:t>
+            </a:r>
+          </a:p>
+          <a:p>
+            <a:pPr lvl="1" eaLnBrk="1" hangingPunct="1"/>
+            <a:r>
+              <a:rPr lang="en-US" sz="2000" dirty="0" smtClean="0"/>
+              <a:t>Ongoing work toward high-available deployment patterns for caGrid</a:t>
+            </a:r>
+          </a:p>
+        </p:txBody>
+      </p:sp>
+    </p:spTree>
+  </p:cSld>
+  <p:clrMapOvr>
+    <a:masterClrMapping/>
+  </p:clrMapOvr>
+</p:sld>
+</file>
+
+<file path=ppt/slides/slide21.xml><?xml version="1.0" encoding="utf-8"?>
+<p:sld xmlns:a="http://schemas.openxmlformats.org/drawingml/2006/main" xmlns:r="http://schemas.openxmlformats.org/officeDocument/2006/relationships" xmlns:mc="http://schemas.openxmlformats.org/markup-compatibility/2006" xmlns:mv="urn:schemas-microsoft-com:mac:vml" xmlns:p="http://schemas.openxmlformats.org/presentationml/2006/main" mc:Ignorable="mv" mc:PreserveAttributes="mv:*">
+  <p:cSld>
+    <p:spTree>
+      <p:nvGrpSpPr>
+        <p:cNvPr id="1" name=""/>
+        <p:cNvGrpSpPr/>
+        <p:nvPr/>
+      </p:nvGrpSpPr>
+      <p:grpSpPr>
+        <a:xfrm>
+          <a:off x="0" y="0"/>
+          <a:ext cx="0" cy="0"/>
+          <a:chOff x="0" y="0"/>
+          <a:chExt cx="0" cy="0"/>
+        </a:xfrm>
+      </p:grpSpPr>
+      <p:sp>
+        <p:nvSpPr>
           <p:cNvPr id="34818" name="Title 1"/>
           <p:cNvSpPr>
             <a:spLocks noGrp="1"/>
@@ -4957,153 +5267,6 @@
       </p:par>
     </p:tnLst>
   </p:timing>
-</p:sld>
-</file>
-
-<file path=ppt/slides/slide21.xml><?xml version="1.0" encoding="utf-8"?>
-<p:sld xmlns:a="http://schemas.openxmlformats.org/drawingml/2006/main" xmlns:r="http://schemas.openxmlformats.org/officeDocument/2006/relationships" xmlns:mc="http://schemas.openxmlformats.org/markup-compatibility/2006" xmlns:mv="urn:schemas-microsoft-com:mac:vml" xmlns:p="http://schemas.openxmlformats.org/presentationml/2006/main" mc:Ignorable="mv" mc:PreserveAttributes="mv:*">
-  <p:cSld>
-    <p:spTree>
-      <p:nvGrpSpPr>
-        <p:cNvPr id="1" name=""/>
-        <p:cNvGrpSpPr/>
-        <p:nvPr/>
-      </p:nvGrpSpPr>
-      <p:grpSpPr>
-        <a:xfrm>
-          <a:off x="0" y="0"/>
-          <a:ext cx="0" cy="0"/>
-          <a:chOff x="0" y="0"/>
-          <a:chExt cx="0" cy="0"/>
-        </a:xfrm>
-      </p:grpSpPr>
-      <p:sp>
-        <p:nvSpPr>
-          <p:cNvPr id="32770" name="Title 1"/>
-          <p:cNvSpPr>
-            <a:spLocks noGrp="1"/>
-          </p:cNvSpPr>
-          <p:nvPr>
-            <p:ph type="title"/>
-          </p:nvPr>
-        </p:nvSpPr>
-        <p:spPr/>
-        <p:txBody>
-          <a:bodyPr/>
-          <a:lstStyle/>
-          <a:p>
-            <a:r>
-              <a:rPr lang="en-US" dirty="0" smtClean="0"/>
-              <a:t>Workflow:</a:t>
-            </a:r>
-            <a:br>
-              <a:rPr lang="en-US" dirty="0" smtClean="0"/>
-            </a:br>
-            <a:r>
-              <a:rPr lang="en-US" dirty="0" err="1" smtClean="0"/>
-              <a:t>Taverna</a:t>
-            </a:r>
-            <a:endParaRPr lang="en-US" dirty="0" smtClean="0"/>
-          </a:p>
-        </p:txBody>
-      </p:sp>
-      <p:sp>
-        <p:nvSpPr>
-          <p:cNvPr id="32771" name="Content Placeholder 2"/>
-          <p:cNvSpPr>
-            <a:spLocks noGrp="1"/>
-          </p:cNvSpPr>
-          <p:nvPr>
-            <p:ph idx="1"/>
-          </p:nvPr>
-        </p:nvSpPr>
-        <p:spPr/>
-        <p:txBody>
-          <a:bodyPr/>
-          <a:lstStyle/>
-          <a:p>
-            <a:r>
-              <a:rPr lang="en-US" dirty="0" smtClean="0"/>
-              <a:t>Added a new service </a:t>
-            </a:r>
-            <a:r>
-              <a:rPr lang="en-US" dirty="0" err="1" smtClean="0"/>
-              <a:t>Taverna</a:t>
-            </a:r>
-            <a:r>
-              <a:rPr lang="en-US" dirty="0" smtClean="0"/>
-              <a:t> Workflow Factory Service for executing </a:t>
-            </a:r>
-            <a:r>
-              <a:rPr lang="en-US" dirty="0" err="1" smtClean="0"/>
-              <a:t>Scufl</a:t>
-            </a:r>
-            <a:r>
-              <a:rPr lang="en-US" dirty="0" smtClean="0"/>
-              <a:t> (Simple Conceptual Unified Flow language) workflows, which is the language of the </a:t>
-            </a:r>
-            <a:r>
-              <a:rPr lang="en-US" dirty="0" err="1" smtClean="0"/>
-              <a:t>Taverna</a:t>
-            </a:r>
-            <a:r>
-              <a:rPr lang="en-US" dirty="0" smtClean="0"/>
-              <a:t> Workbench</a:t>
-            </a:r>
-          </a:p>
-          <a:p>
-            <a:pPr lvl="1"/>
-            <a:r>
-              <a:rPr lang="en-US" dirty="0" smtClean="0"/>
-              <a:t>Leverages the same service infrastructure as the existing BPEL-based workflow service</a:t>
-            </a:r>
-          </a:p>
-          <a:p>
-            <a:r>
-              <a:rPr lang="en-US" dirty="0" smtClean="0"/>
-              <a:t>Updated client support to </a:t>
-            </a:r>
-            <a:r>
-              <a:rPr lang="en-US" dirty="0" err="1" smtClean="0"/>
-              <a:t>Taverna</a:t>
-            </a:r>
-            <a:r>
-              <a:rPr lang="en-US" dirty="0" smtClean="0"/>
-              <a:t> 2</a:t>
-            </a:r>
-            <a:endParaRPr lang="en-US" dirty="0"/>
-          </a:p>
-        </p:txBody>
-      </p:sp>
-      <p:pic>
-        <p:nvPicPr>
-          <p:cNvPr id="4" name="Picture 3"/>
-          <p:cNvPicPr>
-            <a:picLocks noChangeAspect="1"/>
-          </p:cNvPicPr>
-          <p:nvPr/>
-        </p:nvPicPr>
-        <p:blipFill>
-          <a:blip r:embed="rId2"/>
-          <a:stretch>
-            <a:fillRect/>
-          </a:stretch>
-        </p:blipFill>
-        <p:spPr>
-          <a:xfrm>
-            <a:off x="2057400" y="3378200"/>
-            <a:ext cx="4836160" cy="3022600"/>
-          </a:xfrm>
-          <a:prstGeom prst="rect">
-            <a:avLst/>
-          </a:prstGeom>
-        </p:spPr>
-      </p:pic>
-    </p:spTree>
-  </p:cSld>
-  <p:clrMapOvr>
-    <a:masterClrMapping/>
-  </p:clrMapOvr>
 </p:sld>
 </file>
 
@@ -9500,18 +9663,6 @@
                         </a:rPr>
                         <a:t>Authentication Service**</a:t>
                       </a:r>
-                      <a:endParaRPr kumimoji="0" lang="en-US" sz="1600" b="0" i="1" u="none" strike="noStrike" cap="none" normalizeH="0" baseline="0" dirty="0" smtClean="0">
-                        <a:ln>
-                          <a:noFill/>
-                        </a:ln>
-                        <a:solidFill>
-                          <a:srgbClr val="000000"/>
-                        </a:solidFill>
-                        <a:effectLst/>
-                        <a:latin typeface="Cambria" pitchFamily="-110" charset="0"/>
-                        <a:ea typeface="Cambria" pitchFamily="-110" charset="0"/>
-                        <a:cs typeface="Cambria" pitchFamily="-110" charset="0"/>
-                      </a:endParaRPr>
                     </a:p>
                   </a:txBody>
                   <a:tcPr marL="131523" marR="131523" marT="65762" marB="65762" horzOverflow="overflow">
@@ -12646,4 +12797,322 @@
   </a:objectDefaults>
   <a:extraClrSchemeLst/>
 </a:theme>
+</file>
+
+<file path=ppt/theme/theme3.xml><?xml version="1.0" encoding="utf-8"?>
+<a:theme xmlns:a="http://schemas.openxmlformats.org/drawingml/2006/main" name="Office Theme">
+  <a:themeElements>
+    <a:clrScheme name="Office">
+      <a:dk1>
+        <a:sysClr val="windowText" lastClr="000000"/>
+      </a:dk1>
+      <a:lt1>
+        <a:sysClr val="window" lastClr="FFFFFF"/>
+      </a:lt1>
+      <a:dk2>
+        <a:srgbClr val="1F497D"/>
+      </a:dk2>
+      <a:lt2>
+        <a:srgbClr val="EEECE1"/>
+      </a:lt2>
+      <a:accent1>
+        <a:srgbClr val="4F81BD"/>
+      </a:accent1>
+      <a:accent2>
+        <a:srgbClr val="C0504D"/>
+      </a:accent2>
+      <a:accent3>
+        <a:srgbClr val="9BBB59"/>
+      </a:accent3>
+      <a:accent4>
+        <a:srgbClr val="8064A2"/>
+      </a:accent4>
+      <a:accent5>
+        <a:srgbClr val="4BACC6"/>
+      </a:accent5>
+      <a:accent6>
+        <a:srgbClr val="F79646"/>
+      </a:accent6>
+      <a:hlink>
+        <a:srgbClr val="0000FF"/>
+      </a:hlink>
+      <a:folHlink>
+        <a:srgbClr val="800080"/>
+      </a:folHlink>
+    </a:clrScheme>
+    <a:fontScheme name="Office">
+      <a:majorFont>
+        <a:latin typeface="Calibri"/>
+        <a:ea typeface=""/>
+        <a:cs typeface=""/>
+        <a:font script="Jpan" typeface="ＭＳ Ｐゴシック"/>
+        <a:font script="Hang" typeface="맑은 고딕"/>
+        <a:font script="Hans" typeface="宋体"/>
+        <a:font script="Hant" typeface="新細明體"/>
+        <a:font script="Arab" typeface="Times New Roman"/>
+        <a:font script="Hebr" typeface="Times New Roman"/>
+        <a:font script="Thai" typeface="Angsana New"/>
+        <a:font script="Ethi" typeface="Nyala"/>
+        <a:font script="Beng" typeface="Vrinda"/>
+        <a:font script="Gujr" typeface="Shruti"/>
+        <a:font script="Khmr" typeface="MoolBoran"/>
+        <a:font script="Knda" typeface="Tunga"/>
+        <a:font script="Guru" typeface="Raavi"/>
+        <a:font script="Cans" typeface="Euphemia"/>
+        <a:font script="Cher" typeface="Plantagenet Cherokee"/>
+        <a:font script="Yiii" typeface="Microsoft Yi Baiti"/>
+        <a:font script="Tibt" typeface="Microsoft Himalaya"/>
+        <a:font script="Thaa" typeface="MV Boli"/>
+        <a:font script="Deva" typeface="Mangal"/>
+        <a:font script="Telu" typeface="Gautami"/>
+        <a:font script="Taml" typeface="Latha"/>
+        <a:font script="Syrc" typeface="Estrangelo Edessa"/>
+        <a:font script="Orya" typeface="Kalinga"/>
+        <a:font script="Mlym" typeface="Kartika"/>
+        <a:font script="Laoo" typeface="DokChampa"/>
+        <a:font script="Sinh" typeface="Iskoola Pota"/>
+        <a:font script="Mong" typeface="Mongolian Baiti"/>
+        <a:font script="Viet" typeface="Times New Roman"/>
+        <a:font script="Uigh" typeface="Microsoft Uighur"/>
+      </a:majorFont>
+      <a:minorFont>
+        <a:latin typeface="Calibri"/>
+        <a:ea typeface=""/>
+        <a:cs typeface=""/>
+        <a:font script="Jpan" typeface="ＭＳ Ｐゴシック"/>
+        <a:font script="Hang" typeface="맑은 고딕"/>
+        <a:font script="Hans" typeface="宋体"/>
+        <a:font script="Hant" typeface="新細明體"/>
+        <a:font script="Arab" typeface="Arial"/>
+        <a:font script="Hebr" typeface="Arial"/>
+        <a:font script="Thai" typeface="Cordia New"/>
+        <a:font script="Ethi" typeface="Nyala"/>
+        <a:font script="Beng" typeface="Vrinda"/>
+        <a:font script="Gujr" typeface="Shruti"/>
+        <a:font script="Khmr" typeface="DaunPenh"/>
+        <a:font script="Knda" typeface="Tunga"/>
+        <a:font script="Guru" typeface="Raavi"/>
+        <a:font script="Cans" typeface="Euphemia"/>
+        <a:font script="Cher" typeface="Plantagenet Cherokee"/>
+        <a:font script="Yiii" typeface="Microsoft Yi Baiti"/>
+        <a:font script="Tibt" typeface="Microsoft Himalaya"/>
+        <a:font script="Thaa" typeface="MV Boli"/>
+        <a:font script="Deva" typeface="Mangal"/>
+        <a:font script="Telu" typeface="Gautami"/>
+        <a:font script="Taml" typeface="Latha"/>
+        <a:font script="Syrc" typeface="Estrangelo Edessa"/>
+        <a:font script="Orya" typeface="Kalinga"/>
+        <a:font script="Mlym" typeface="Kartika"/>
+        <a:font script="Laoo" typeface="DokChampa"/>
+        <a:font script="Sinh" typeface="Iskoola Pota"/>
+        <a:font script="Mong" typeface="Mongolian Baiti"/>
+        <a:font script="Viet" typeface="Arial"/>
+        <a:font script="Uigh" typeface="Microsoft Uighur"/>
+      </a:minorFont>
+    </a:fontScheme>
+    <a:fmtScheme name="Office">
+      <a:fillStyleLst>
+        <a:solidFill>
+          <a:schemeClr val="phClr"/>
+        </a:solidFill>
+        <a:gradFill rotWithShape="1">
+          <a:gsLst>
+            <a:gs pos="0">
+              <a:schemeClr val="phClr">
+                <a:tint val="50000"/>
+                <a:satMod val="300000"/>
+              </a:schemeClr>
+            </a:gs>
+            <a:gs pos="35000">
+              <a:schemeClr val="phClr">
+                <a:tint val="37000"/>
+                <a:satMod val="300000"/>
+              </a:schemeClr>
+            </a:gs>
+            <a:gs pos="100000">
+              <a:schemeClr val="phClr">
+                <a:tint val="15000"/>
+                <a:satMod val="350000"/>
+              </a:schemeClr>
+            </a:gs>
+          </a:gsLst>
+          <a:lin ang="16200000" scaled="1"/>
+        </a:gradFill>
+        <a:gradFill rotWithShape="1">
+          <a:gsLst>
+            <a:gs pos="0">
+              <a:schemeClr val="phClr">
+                <a:tint val="100000"/>
+                <a:shade val="100000"/>
+                <a:satMod val="130000"/>
+              </a:schemeClr>
+            </a:gs>
+            <a:gs pos="100000">
+              <a:schemeClr val="phClr">
+                <a:tint val="50000"/>
+                <a:shade val="100000"/>
+                <a:satMod val="350000"/>
+              </a:schemeClr>
+            </a:gs>
+          </a:gsLst>
+          <a:lin ang="16200000" scaled="0"/>
+        </a:gradFill>
+      </a:fillStyleLst>
+      <a:lnStyleLst>
+        <a:ln w="9525" cap="flat" cmpd="sng" algn="ctr">
+          <a:solidFill>
+            <a:schemeClr val="phClr">
+              <a:shade val="95000"/>
+              <a:satMod val="105000"/>
+            </a:schemeClr>
+          </a:solidFill>
+          <a:prstDash val="solid"/>
+        </a:ln>
+        <a:ln w="25400" cap="flat" cmpd="sng" algn="ctr">
+          <a:solidFill>
+            <a:schemeClr val="phClr"/>
+          </a:solidFill>
+          <a:prstDash val="solid"/>
+        </a:ln>
+        <a:ln w="38100" cap="flat" cmpd="sng" algn="ctr">
+          <a:solidFill>
+            <a:schemeClr val="phClr"/>
+          </a:solidFill>
+          <a:prstDash val="solid"/>
+        </a:ln>
+      </a:lnStyleLst>
+      <a:effectStyleLst>
+        <a:effectStyle>
+          <a:effectLst>
+            <a:outerShdw blurRad="40000" dist="20000" dir="5400000" rotWithShape="0">
+              <a:srgbClr val="000000">
+                <a:alpha val="38000"/>
+              </a:srgbClr>
+            </a:outerShdw>
+          </a:effectLst>
+        </a:effectStyle>
+        <a:effectStyle>
+          <a:effectLst>
+            <a:outerShdw blurRad="40000" dist="23000" dir="5400000" rotWithShape="0">
+              <a:srgbClr val="000000">
+                <a:alpha val="35000"/>
+              </a:srgbClr>
+            </a:outerShdw>
+          </a:effectLst>
+        </a:effectStyle>
+        <a:effectStyle>
+          <a:effectLst>
+            <a:outerShdw blurRad="40000" dist="23000" dir="5400000" rotWithShape="0">
+              <a:srgbClr val="000000">
+                <a:alpha val="35000"/>
+              </a:srgbClr>
+            </a:outerShdw>
+          </a:effectLst>
+          <a:scene3d>
+            <a:camera prst="orthographicFront">
+              <a:rot lat="0" lon="0" rev="0"/>
+            </a:camera>
+            <a:lightRig rig="threePt" dir="t">
+              <a:rot lat="0" lon="0" rev="1200000"/>
+            </a:lightRig>
+          </a:scene3d>
+          <a:sp3d>
+            <a:bevelT w="63500" h="25400"/>
+          </a:sp3d>
+        </a:effectStyle>
+      </a:effectStyleLst>
+      <a:bgFillStyleLst>
+        <a:solidFill>
+          <a:schemeClr val="phClr"/>
+        </a:solidFill>
+        <a:gradFill rotWithShape="1">
+          <a:gsLst>
+            <a:gs pos="0">
+              <a:schemeClr val="phClr">
+                <a:tint val="40000"/>
+                <a:satMod val="350000"/>
+              </a:schemeClr>
+            </a:gs>
+            <a:gs pos="40000">
+              <a:schemeClr val="phClr">
+                <a:tint val="45000"/>
+                <a:shade val="99000"/>
+                <a:satMod val="350000"/>
+              </a:schemeClr>
+            </a:gs>
+            <a:gs pos="100000">
+              <a:schemeClr val="phClr">
+                <a:shade val="20000"/>
+                <a:satMod val="255000"/>
+              </a:schemeClr>
+            </a:gs>
+          </a:gsLst>
+          <a:path path="circle">
+            <a:fillToRect l="50000" t="-80000" r="50000" b="180000"/>
+          </a:path>
+        </a:gradFill>
+        <a:gradFill rotWithShape="1">
+          <a:gsLst>
+            <a:gs pos="0">
+              <a:schemeClr val="phClr">
+                <a:tint val="80000"/>
+                <a:satMod val="300000"/>
+              </a:schemeClr>
+            </a:gs>
+            <a:gs pos="100000">
+              <a:schemeClr val="phClr">
+                <a:shade val="30000"/>
+                <a:satMod val="200000"/>
+              </a:schemeClr>
+            </a:gs>
+          </a:gsLst>
+          <a:path path="circle">
+            <a:fillToRect l="50000" t="50000" r="50000" b="50000"/>
+          </a:path>
+        </a:gradFill>
+      </a:bgFillStyleLst>
+    </a:fmtScheme>
+  </a:themeElements>
+  <a:objectDefaults>
+    <a:spDef>
+      <a:spPr/>
+      <a:bodyPr/>
+      <a:lstStyle/>
+      <a:style>
+        <a:lnRef idx="1">
+          <a:schemeClr val="accent1"/>
+        </a:lnRef>
+        <a:fillRef idx="3">
+          <a:schemeClr val="accent1"/>
+        </a:fillRef>
+        <a:effectRef idx="2">
+          <a:schemeClr val="accent1"/>
+        </a:effectRef>
+        <a:fontRef idx="minor">
+          <a:schemeClr val="lt1"/>
+        </a:fontRef>
+      </a:style>
+    </a:spDef>
+    <a:lnDef>
+      <a:spPr/>
+      <a:bodyPr/>
+      <a:lstStyle/>
+      <a:style>
+        <a:lnRef idx="2">
+          <a:schemeClr val="accent1"/>
+        </a:lnRef>
+        <a:fillRef idx="0">
+          <a:schemeClr val="accent1"/>
+        </a:fillRef>
+        <a:effectRef idx="1">
+          <a:schemeClr val="accent1"/>
+        </a:effectRef>
+        <a:fontRef idx="minor">
+          <a:schemeClr val="tx1"/>
+        </a:fontRef>
+      </a:style>
+    </a:lnDef>
+  </a:objectDefaults>
+  <a:extraClrSchemeLst/>
+</a:theme>
 </file>